--- a/mananm2_MP3_CP1.pptx
+++ b/mananm2_MP3_CP1.pptx
@@ -268,7 +268,7 @@
           <a:p>
             <a:fld id="{3E188059-9AAA-48DC-89EE-5FBEEAFD7015}" type="datetimeFigureOut">
               <a:rPr lang="en-US" smtClean="0"/>
-              <a:t>4/12/2020</a:t>
+              <a:t>4/13/20</a:t>
             </a:fld>
             <a:endParaRPr lang="en-US"/>
           </a:p>
@@ -466,7 +466,7 @@
           <a:p>
             <a:fld id="{3E188059-9AAA-48DC-89EE-5FBEEAFD7015}" type="datetimeFigureOut">
               <a:rPr lang="en-US" smtClean="0"/>
-              <a:t>4/12/2020</a:t>
+              <a:t>4/13/20</a:t>
             </a:fld>
             <a:endParaRPr lang="en-US"/>
           </a:p>
@@ -674,7 +674,7 @@
           <a:p>
             <a:fld id="{3E188059-9AAA-48DC-89EE-5FBEEAFD7015}" type="datetimeFigureOut">
               <a:rPr lang="en-US" smtClean="0"/>
-              <a:t>4/12/2020</a:t>
+              <a:t>4/13/20</a:t>
             </a:fld>
             <a:endParaRPr lang="en-US"/>
           </a:p>
@@ -872,7 +872,7 @@
           <a:p>
             <a:fld id="{3E188059-9AAA-48DC-89EE-5FBEEAFD7015}" type="datetimeFigureOut">
               <a:rPr lang="en-US" smtClean="0"/>
-              <a:t>4/12/2020</a:t>
+              <a:t>4/13/20</a:t>
             </a:fld>
             <a:endParaRPr lang="en-US"/>
           </a:p>
@@ -1147,7 +1147,7 @@
           <a:p>
             <a:fld id="{3E188059-9AAA-48DC-89EE-5FBEEAFD7015}" type="datetimeFigureOut">
               <a:rPr lang="en-US" smtClean="0"/>
-              <a:t>4/12/2020</a:t>
+              <a:t>4/13/20</a:t>
             </a:fld>
             <a:endParaRPr lang="en-US"/>
           </a:p>
@@ -1412,7 +1412,7 @@
           <a:p>
             <a:fld id="{3E188059-9AAA-48DC-89EE-5FBEEAFD7015}" type="datetimeFigureOut">
               <a:rPr lang="en-US" smtClean="0"/>
-              <a:t>4/12/2020</a:t>
+              <a:t>4/13/20</a:t>
             </a:fld>
             <a:endParaRPr lang="en-US"/>
           </a:p>
@@ -1824,7 +1824,7 @@
           <a:p>
             <a:fld id="{3E188059-9AAA-48DC-89EE-5FBEEAFD7015}" type="datetimeFigureOut">
               <a:rPr lang="en-US" smtClean="0"/>
-              <a:t>4/12/2020</a:t>
+              <a:t>4/13/20</a:t>
             </a:fld>
             <a:endParaRPr lang="en-US"/>
           </a:p>
@@ -1965,7 +1965,7 @@
           <a:p>
             <a:fld id="{3E188059-9AAA-48DC-89EE-5FBEEAFD7015}" type="datetimeFigureOut">
               <a:rPr lang="en-US" smtClean="0"/>
-              <a:t>4/12/2020</a:t>
+              <a:t>4/13/20</a:t>
             </a:fld>
             <a:endParaRPr lang="en-US"/>
           </a:p>
@@ -2078,7 +2078,7 @@
           <a:p>
             <a:fld id="{3E188059-9AAA-48DC-89EE-5FBEEAFD7015}" type="datetimeFigureOut">
               <a:rPr lang="en-US" smtClean="0"/>
-              <a:t>4/12/2020</a:t>
+              <a:t>4/13/20</a:t>
             </a:fld>
             <a:endParaRPr lang="en-US"/>
           </a:p>
@@ -2389,7 +2389,7 @@
           <a:p>
             <a:fld id="{3E188059-9AAA-48DC-89EE-5FBEEAFD7015}" type="datetimeFigureOut">
               <a:rPr lang="en-US" smtClean="0"/>
-              <a:t>4/12/2020</a:t>
+              <a:t>4/13/20</a:t>
             </a:fld>
             <a:endParaRPr lang="en-US"/>
           </a:p>
@@ -2677,7 +2677,7 @@
           <a:p>
             <a:fld id="{3E188059-9AAA-48DC-89EE-5FBEEAFD7015}" type="datetimeFigureOut">
               <a:rPr lang="en-US" smtClean="0"/>
-              <a:t>4/12/2020</a:t>
+              <a:t>4/13/20</a:t>
             </a:fld>
             <a:endParaRPr lang="en-US"/>
           </a:p>
@@ -2918,7 +2918,7 @@
           <a:p>
             <a:fld id="{3E188059-9AAA-48DC-89EE-5FBEEAFD7015}" type="datetimeFigureOut">
               <a:rPr lang="en-US" smtClean="0"/>
-              <a:t>4/12/2020</a:t>
+              <a:t>4/13/20</a:t>
             </a:fld>
             <a:endParaRPr lang="en-US"/>
           </a:p>
@@ -3708,8 +3708,44 @@
         </p:blipFill>
         <p:spPr>
           <a:xfrm>
-            <a:off x="5133585" y="2505670"/>
-            <a:ext cx="5403397" cy="4236626"/>
+            <a:off x="6803514" y="2963387"/>
+            <a:ext cx="4416902" cy="3463148"/>
+          </a:xfrm>
+          <a:prstGeom prst="rect">
+            <a:avLst/>
+          </a:prstGeom>
+        </p:spPr>
+      </p:pic>
+      <p:pic>
+        <p:nvPicPr>
+          <p:cNvPr id="9" name="Picture 8" descr="A screenshot of a social media post&#10;&#10;Description automatically generated">
+            <a:extLst>
+              <a:ext uri="{FF2B5EF4-FFF2-40B4-BE49-F238E27FC236}">
+                <a16:creationId xmlns:a16="http://schemas.microsoft.com/office/drawing/2014/main" id="{50DE9126-2486-6948-8611-486327FD4A2C}"/>
+              </a:ext>
+            </a:extLst>
+          </p:cNvPr>
+          <p:cNvPicPr>
+            <a:picLocks noChangeAspect="1"/>
+          </p:cNvPicPr>
+          <p:nvPr/>
+        </p:nvPicPr>
+        <p:blipFill>
+          <a:blip r:embed="rId3">
+            <a:extLst>
+              <a:ext uri="{28A0092B-C50C-407E-A947-70E740481C1C}">
+                <a14:useLocalDpi xmlns:a14="http://schemas.microsoft.com/office/drawing/2010/main" val="0"/>
+              </a:ext>
+            </a:extLst>
+          </a:blip>
+          <a:stretch>
+            <a:fillRect/>
+          </a:stretch>
+        </p:blipFill>
+        <p:spPr>
+          <a:xfrm>
+            <a:off x="1136788" y="2963386"/>
+            <a:ext cx="4322722" cy="3406796"/>
           </a:xfrm>
           <a:prstGeom prst="rect">
             <a:avLst/>

--- a/mananm2_MP3_CP1.pptx
+++ b/mananm2_MP3_CP1.pptx
@@ -3620,7 +3620,7 @@
             </a:r>
             <a:r>
               <a:rPr lang="en-US" altLang="zh-CN" dirty="0"/>
-              <a:t> Provide the IP address of the attacker-controlled DNS server: </a:t>
+              <a:t> Provide the IP address of the legitimate DNS server: </a:t>
             </a:r>
             <a:r>
               <a:rPr lang="en-US" altLang="zh-CN" dirty="0">
